--- a/论文图/tcr.pptx
+++ b/论文图/tcr.pptx
@@ -289,7 +289,7 @@
             <a:fld id="{530820CF-B880-4189-942D-D702A7CBA730}" type="datetimeFigureOut">
               <a:rPr lang="zh-CN" altLang="en-US" smtClean="0"/>
               <a:pPr/>
-              <a:t>2018/11/21</a:t>
+              <a:t>2018/12/26</a:t>
             </a:fld>
             <a:endParaRPr lang="zh-CN" altLang="en-US"/>
           </a:p>
@@ -456,7 +456,7 @@
             <a:fld id="{530820CF-B880-4189-942D-D702A7CBA730}" type="datetimeFigureOut">
               <a:rPr lang="zh-CN" altLang="en-US" smtClean="0"/>
               <a:pPr/>
-              <a:t>2018/11/21</a:t>
+              <a:t>2018/12/26</a:t>
             </a:fld>
             <a:endParaRPr lang="zh-CN" altLang="en-US"/>
           </a:p>
@@ -633,7 +633,7 @@
             <a:fld id="{530820CF-B880-4189-942D-D702A7CBA730}" type="datetimeFigureOut">
               <a:rPr lang="zh-CN" altLang="en-US" smtClean="0"/>
               <a:pPr/>
-              <a:t>2018/11/21</a:t>
+              <a:t>2018/12/26</a:t>
             </a:fld>
             <a:endParaRPr lang="zh-CN" altLang="en-US"/>
           </a:p>
@@ -800,7 +800,7 @@
             <a:fld id="{530820CF-B880-4189-942D-D702A7CBA730}" type="datetimeFigureOut">
               <a:rPr lang="zh-CN" altLang="en-US" smtClean="0"/>
               <a:pPr/>
-              <a:t>2018/11/21</a:t>
+              <a:t>2018/12/26</a:t>
             </a:fld>
             <a:endParaRPr lang="zh-CN" altLang="en-US"/>
           </a:p>
@@ -1043,7 +1043,7 @@
             <a:fld id="{530820CF-B880-4189-942D-D702A7CBA730}" type="datetimeFigureOut">
               <a:rPr lang="zh-CN" altLang="en-US" smtClean="0"/>
               <a:pPr/>
-              <a:t>2018/11/21</a:t>
+              <a:t>2018/12/26</a:t>
             </a:fld>
             <a:endParaRPr lang="zh-CN" altLang="en-US"/>
           </a:p>
@@ -1328,7 +1328,7 @@
             <a:fld id="{530820CF-B880-4189-942D-D702A7CBA730}" type="datetimeFigureOut">
               <a:rPr lang="zh-CN" altLang="en-US" smtClean="0"/>
               <a:pPr/>
-              <a:t>2018/11/21</a:t>
+              <a:t>2018/12/26</a:t>
             </a:fld>
             <a:endParaRPr lang="zh-CN" altLang="en-US"/>
           </a:p>
@@ -1747,7 +1747,7 @@
             <a:fld id="{530820CF-B880-4189-942D-D702A7CBA730}" type="datetimeFigureOut">
               <a:rPr lang="zh-CN" altLang="en-US" smtClean="0"/>
               <a:pPr/>
-              <a:t>2018/11/21</a:t>
+              <a:t>2018/12/26</a:t>
             </a:fld>
             <a:endParaRPr lang="zh-CN" altLang="en-US"/>
           </a:p>
@@ -1862,7 +1862,7 @@
             <a:fld id="{530820CF-B880-4189-942D-D702A7CBA730}" type="datetimeFigureOut">
               <a:rPr lang="zh-CN" altLang="en-US" smtClean="0"/>
               <a:pPr/>
-              <a:t>2018/11/21</a:t>
+              <a:t>2018/12/26</a:t>
             </a:fld>
             <a:endParaRPr lang="zh-CN" altLang="en-US"/>
           </a:p>
@@ -1954,7 +1954,7 @@
             <a:fld id="{530820CF-B880-4189-942D-D702A7CBA730}" type="datetimeFigureOut">
               <a:rPr lang="zh-CN" altLang="en-US" smtClean="0"/>
               <a:pPr/>
-              <a:t>2018/11/21</a:t>
+              <a:t>2018/12/26</a:t>
             </a:fld>
             <a:endParaRPr lang="zh-CN" altLang="en-US"/>
           </a:p>
@@ -2228,7 +2228,7 @@
             <a:fld id="{530820CF-B880-4189-942D-D702A7CBA730}" type="datetimeFigureOut">
               <a:rPr lang="zh-CN" altLang="en-US" smtClean="0"/>
               <a:pPr/>
-              <a:t>2018/11/21</a:t>
+              <a:t>2018/12/26</a:t>
             </a:fld>
             <a:endParaRPr lang="zh-CN" altLang="en-US"/>
           </a:p>
@@ -2478,7 +2478,7 @@
             <a:fld id="{530820CF-B880-4189-942D-D702A7CBA730}" type="datetimeFigureOut">
               <a:rPr lang="zh-CN" altLang="en-US" smtClean="0"/>
               <a:pPr/>
-              <a:t>2018/11/21</a:t>
+              <a:t>2018/12/26</a:t>
             </a:fld>
             <a:endParaRPr lang="zh-CN" altLang="en-US"/>
           </a:p>
@@ -2688,7 +2688,7 @@
             <a:fld id="{530820CF-B880-4189-942D-D702A7CBA730}" type="datetimeFigureOut">
               <a:rPr lang="zh-CN" altLang="en-US" smtClean="0"/>
               <a:pPr/>
-              <a:t>2018/11/21</a:t>
+              <a:t>2018/12/26</a:t>
             </a:fld>
             <a:endParaRPr lang="zh-CN" altLang="en-US"/>
           </a:p>
@@ -3068,7 +3068,7 @@
         <p:spPr>
           <a:xfrm>
             <a:off x="285720" y="371465"/>
-            <a:ext cx="2571766" cy="2585323"/>
+            <a:ext cx="2571766" cy="2308324"/>
           </a:xfrm>
           <a:prstGeom prst="rect">
             <a:avLst/>
@@ -3101,30 +3101,11 @@
           <a:p>
             <a:r>
               <a:rPr lang="en-US" dirty="0" smtClean="0"/>
-              <a:t>What is the translation</a:t>
-            </a:r>
-            <a:br>
+              <a:t>Please translate Chinese into </a:t>
+            </a:r>
+            <a:r>
               <a:rPr lang="en-US" dirty="0" smtClean="0"/>
-            </a:br>
-            <a:r>
-              <a:rPr lang="en-US" dirty="0" smtClean="0"/>
-              <a:t>from </a:t>
-            </a:r>
-            <a:r>
-              <a:rPr lang="en-US" altLang="zh-CN" dirty="0" smtClean="0"/>
-              <a:t>Chinese</a:t>
-            </a:r>
-            <a:r>
-              <a:rPr lang="en-US" dirty="0" smtClean="0"/>
-              <a:t> </a:t>
-            </a:r>
-            <a:r>
-              <a:rPr lang="en-US" dirty="0" smtClean="0"/>
-              <a:t>to </a:t>
-            </a:r>
-            <a:r>
-              <a:rPr lang="en-US" dirty="0" smtClean="0"/>
-              <a:t>English? </a:t>
+              <a:t>English</a:t>
             </a:r>
             <a:r>
               <a:rPr lang="en-US" dirty="0" smtClean="0"/>
@@ -3141,30 +3122,12 @@
           <a:p>
             <a:r>
               <a:rPr lang="en-US" dirty="0" smtClean="0"/>
-              <a:t>What </a:t>
+              <a:t>Please translate English into SQL </a:t>
             </a:r>
             <a:r>
               <a:rPr lang="en-US" dirty="0" smtClean="0"/>
-              <a:t>is the </a:t>
-            </a:r>
-            <a:r>
-              <a:rPr lang="en-US" dirty="0" smtClean="0"/>
-              <a:t>translation           </a:t>
-            </a:r>
-            <a:r>
-              <a:rPr lang="en-US" dirty="0" smtClean="0"/>
-              <a:t/>
-            </a:r>
-            <a:br>
-              <a:rPr lang="en-US" dirty="0" smtClean="0"/>
-            </a:br>
-            <a:r>
-              <a:rPr lang="en-US" dirty="0" smtClean="0"/>
-              <a:t>from English to SQL? </a:t>
-            </a:r>
-            <a:endParaRPr lang="en-US" altLang="zh-CN" b="1" u="sng" dirty="0" smtClean="0"/>
-          </a:p>
-          <a:p>
+              <a:t>statement</a:t>
+            </a:r>
             <a:endParaRPr lang="zh-CN" altLang="en-US" b="1" u="sng" dirty="0"/>
           </a:p>
         </p:txBody>
@@ -3211,11 +3174,7 @@
           <a:p>
             <a:r>
               <a:rPr lang="zh-CN" altLang="en-US" dirty="0" smtClean="0"/>
-              <a:t>告诉我南澳有</a:t>
-            </a:r>
-            <a:r>
-              <a:rPr lang="zh-CN" altLang="en-US" dirty="0" smtClean="0"/>
-              <a:t>哪些注意要点</a:t>
+              <a:t>告诉我南澳有哪些注意要点</a:t>
             </a:r>
             <a:endParaRPr lang="en-US" dirty="0" smtClean="0"/>
           </a:p>
@@ -3231,11 +3190,7 @@
           <a:p>
             <a:r>
               <a:rPr lang="en-US" dirty="0" smtClean="0"/>
-              <a:t>The </a:t>
-            </a:r>
-            <a:r>
-              <a:rPr lang="en-US" dirty="0" smtClean="0"/>
-              <a:t>table has column names…</a:t>
+              <a:t>The table has column names…</a:t>
             </a:r>
             <a:br>
               <a:rPr lang="en-US" dirty="0" smtClean="0"/>
@@ -3331,15 +3286,7 @@
                   <a:srgbClr val="0070C0"/>
                 </a:solidFill>
               </a:rPr>
-              <a:t>are for South </a:t>
-            </a:r>
-            <a:r>
-              <a:rPr lang="en-US" dirty="0" smtClean="0">
-                <a:solidFill>
-                  <a:srgbClr val="0070C0"/>
-                </a:solidFill>
-              </a:rPr>
-              <a:t>Australia</a:t>
+              <a:t>are for South Australia</a:t>
             </a:r>
             <a:endParaRPr lang="en-US" dirty="0" smtClean="0"/>
           </a:p>
@@ -3356,15 +3303,7 @@
                   <a:srgbClr val="FF0000"/>
                 </a:solidFill>
               </a:rPr>
-              <a:t>SELECT </a:t>
-            </a:r>
-            <a:r>
-              <a:rPr lang="en-US" dirty="0" smtClean="0">
-                <a:solidFill>
-                  <a:srgbClr val="FF0000"/>
-                </a:solidFill>
-              </a:rPr>
-              <a:t>notes from table</a:t>
+              <a:t>SELECT notes from table</a:t>
             </a:r>
             <a:br>
               <a:rPr lang="en-US" dirty="0" smtClean="0">
